--- a/src/Analysis/AnalysisAndReadMe-4th iteration.pptx
+++ b/src/Analysis/AnalysisAndReadMe-4th iteration.pptx
@@ -249,7 +249,7 @@
           <a:p>
             <a:fld id="{F5E23FCC-39EC-48A2-B1E4-4F652D5BAD1A}" type="datetimeFigureOut">
               <a:rPr lang="en-US" smtClean="0"/>
-              <a:t>01-Mar-17</a:t>
+              <a:t>10-Mar-17</a:t>
             </a:fld>
             <a:endParaRPr lang="en-US"/>
           </a:p>
@@ -417,7 +417,7 @@
           <a:p>
             <a:fld id="{F5E23FCC-39EC-48A2-B1E4-4F652D5BAD1A}" type="datetimeFigureOut">
               <a:rPr lang="en-US" smtClean="0"/>
-              <a:t>01-Mar-17</a:t>
+              <a:t>10-Mar-17</a:t>
             </a:fld>
             <a:endParaRPr lang="en-US"/>
           </a:p>
@@ -595,7 +595,7 @@
           <a:p>
             <a:fld id="{F5E23FCC-39EC-48A2-B1E4-4F652D5BAD1A}" type="datetimeFigureOut">
               <a:rPr lang="en-US" smtClean="0"/>
-              <a:t>01-Mar-17</a:t>
+              <a:t>10-Mar-17</a:t>
             </a:fld>
             <a:endParaRPr lang="en-US"/>
           </a:p>
@@ -763,7 +763,7 @@
           <a:p>
             <a:fld id="{F5E23FCC-39EC-48A2-B1E4-4F652D5BAD1A}" type="datetimeFigureOut">
               <a:rPr lang="en-US" smtClean="0"/>
-              <a:t>01-Mar-17</a:t>
+              <a:t>10-Mar-17</a:t>
             </a:fld>
             <a:endParaRPr lang="en-US"/>
           </a:p>
@@ -1008,7 +1008,7 @@
           <a:p>
             <a:fld id="{F5E23FCC-39EC-48A2-B1E4-4F652D5BAD1A}" type="datetimeFigureOut">
               <a:rPr lang="en-US" smtClean="0"/>
-              <a:t>01-Mar-17</a:t>
+              <a:t>10-Mar-17</a:t>
             </a:fld>
             <a:endParaRPr lang="en-US"/>
           </a:p>
@@ -1237,7 +1237,7 @@
           <a:p>
             <a:fld id="{F5E23FCC-39EC-48A2-B1E4-4F652D5BAD1A}" type="datetimeFigureOut">
               <a:rPr lang="en-US" smtClean="0"/>
-              <a:t>01-Mar-17</a:t>
+              <a:t>10-Mar-17</a:t>
             </a:fld>
             <a:endParaRPr lang="en-US"/>
           </a:p>
@@ -1601,7 +1601,7 @@
           <a:p>
             <a:fld id="{F5E23FCC-39EC-48A2-B1E4-4F652D5BAD1A}" type="datetimeFigureOut">
               <a:rPr lang="en-US" smtClean="0"/>
-              <a:t>01-Mar-17</a:t>
+              <a:t>10-Mar-17</a:t>
             </a:fld>
             <a:endParaRPr lang="en-US"/>
           </a:p>
@@ -1718,7 +1718,7 @@
           <a:p>
             <a:fld id="{F5E23FCC-39EC-48A2-B1E4-4F652D5BAD1A}" type="datetimeFigureOut">
               <a:rPr lang="en-US" smtClean="0"/>
-              <a:t>01-Mar-17</a:t>
+              <a:t>10-Mar-17</a:t>
             </a:fld>
             <a:endParaRPr lang="en-US"/>
           </a:p>
@@ -1813,7 +1813,7 @@
           <a:p>
             <a:fld id="{F5E23FCC-39EC-48A2-B1E4-4F652D5BAD1A}" type="datetimeFigureOut">
               <a:rPr lang="en-US" smtClean="0"/>
-              <a:t>01-Mar-17</a:t>
+              <a:t>10-Mar-17</a:t>
             </a:fld>
             <a:endParaRPr lang="en-US"/>
           </a:p>
@@ -2088,7 +2088,7 @@
           <a:p>
             <a:fld id="{F5E23FCC-39EC-48A2-B1E4-4F652D5BAD1A}" type="datetimeFigureOut">
               <a:rPr lang="en-US" smtClean="0"/>
-              <a:t>01-Mar-17</a:t>
+              <a:t>10-Mar-17</a:t>
             </a:fld>
             <a:endParaRPr lang="en-US"/>
           </a:p>
@@ -2340,7 +2340,7 @@
           <a:p>
             <a:fld id="{F5E23FCC-39EC-48A2-B1E4-4F652D5BAD1A}" type="datetimeFigureOut">
               <a:rPr lang="en-US" smtClean="0"/>
-              <a:t>01-Mar-17</a:t>
+              <a:t>10-Mar-17</a:t>
             </a:fld>
             <a:endParaRPr lang="en-US"/>
           </a:p>
@@ -2551,7 +2551,7 @@
           <a:p>
             <a:fld id="{F5E23FCC-39EC-48A2-B1E4-4F652D5BAD1A}" type="datetimeFigureOut">
               <a:rPr lang="en-US" smtClean="0"/>
-              <a:t>01-Mar-17</a:t>
+              <a:t>10-Mar-17</a:t>
             </a:fld>
             <a:endParaRPr lang="en-US"/>
           </a:p>
@@ -3326,7 +3326,7 @@
       </p:sp>
       <p:pic>
         <p:nvPicPr>
-          <p:cNvPr id="3" name="Picture 2"/>
+          <p:cNvPr id="5" name="Picture 4"/>
           <p:cNvPicPr>
             <a:picLocks noChangeAspect="1"/>
           </p:cNvPicPr>
@@ -3346,8 +3346,8 @@
         </p:blipFill>
         <p:spPr>
           <a:xfrm>
-            <a:off x="624845" y="966967"/>
-            <a:ext cx="10323435" cy="5548979"/>
+            <a:off x="2016005" y="1044933"/>
+            <a:ext cx="8159989" cy="5590645"/>
           </a:xfrm>
           <a:prstGeom prst="rect">
             <a:avLst/>
